--- a/forwardModel/BKA-results/data-model-resids/FM-ex.pptx
+++ b/forwardModel/BKA-results/data-model-resids/FM-ex.pptx
@@ -104,6 +104,11 @@
       </a:defRPr>
     </a:lvl9pPr>
   </p:defaultTextStyle>
+  <p:extLst>
+    <p:ext uri="{EFAFB233-063F-42B5-8137-9DF3F51BA10A}">
+      <p15:sldGuideLst xmlns:p15="http://schemas.microsoft.com/office/powerpoint/2012/main"/>
+    </p:ext>
+  </p:extLst>
 </p:presentation>
 </file>
 
@@ -238,7 +243,7 @@
           <a:p>
             <a:fld id="{0E70A721-26B9-634F-B3B1-0DFADB0FC548}" type="datetimeFigureOut">
               <a:rPr lang="en-US" smtClean="0"/>
-              <a:t>7/29/21</a:t>
+              <a:t>1/11/22</a:t>
             </a:fld>
             <a:endParaRPr lang="en-US"/>
           </a:p>
@@ -408,7 +413,7 @@
           <a:p>
             <a:fld id="{0E70A721-26B9-634F-B3B1-0DFADB0FC548}" type="datetimeFigureOut">
               <a:rPr lang="en-US" smtClean="0"/>
-              <a:t>7/29/21</a:t>
+              <a:t>1/11/22</a:t>
             </a:fld>
             <a:endParaRPr lang="en-US"/>
           </a:p>
@@ -588,7 +593,7 @@
           <a:p>
             <a:fld id="{0E70A721-26B9-634F-B3B1-0DFADB0FC548}" type="datetimeFigureOut">
               <a:rPr lang="en-US" smtClean="0"/>
-              <a:t>7/29/21</a:t>
+              <a:t>1/11/22</a:t>
             </a:fld>
             <a:endParaRPr lang="en-US"/>
           </a:p>
@@ -758,7 +763,7 @@
           <a:p>
             <a:fld id="{0E70A721-26B9-634F-B3B1-0DFADB0FC548}" type="datetimeFigureOut">
               <a:rPr lang="en-US" smtClean="0"/>
-              <a:t>7/29/21</a:t>
+              <a:t>1/11/22</a:t>
             </a:fld>
             <a:endParaRPr lang="en-US"/>
           </a:p>
@@ -1002,7 +1007,7 @@
           <a:p>
             <a:fld id="{0E70A721-26B9-634F-B3B1-0DFADB0FC548}" type="datetimeFigureOut">
               <a:rPr lang="en-US" smtClean="0"/>
-              <a:t>7/29/21</a:t>
+              <a:t>1/11/22</a:t>
             </a:fld>
             <a:endParaRPr lang="en-US"/>
           </a:p>
@@ -1234,7 +1239,7 @@
           <a:p>
             <a:fld id="{0E70A721-26B9-634F-B3B1-0DFADB0FC548}" type="datetimeFigureOut">
               <a:rPr lang="en-US" smtClean="0"/>
-              <a:t>7/29/21</a:t>
+              <a:t>1/11/22</a:t>
             </a:fld>
             <a:endParaRPr lang="en-US"/>
           </a:p>
@@ -1601,7 +1606,7 @@
           <a:p>
             <a:fld id="{0E70A721-26B9-634F-B3B1-0DFADB0FC548}" type="datetimeFigureOut">
               <a:rPr lang="en-US" smtClean="0"/>
-              <a:t>7/29/21</a:t>
+              <a:t>1/11/22</a:t>
             </a:fld>
             <a:endParaRPr lang="en-US"/>
           </a:p>
@@ -1719,7 +1724,7 @@
           <a:p>
             <a:fld id="{0E70A721-26B9-634F-B3B1-0DFADB0FC548}" type="datetimeFigureOut">
               <a:rPr lang="en-US" smtClean="0"/>
-              <a:t>7/29/21</a:t>
+              <a:t>1/11/22</a:t>
             </a:fld>
             <a:endParaRPr lang="en-US"/>
           </a:p>
@@ -1814,7 +1819,7 @@
           <a:p>
             <a:fld id="{0E70A721-26B9-634F-B3B1-0DFADB0FC548}" type="datetimeFigureOut">
               <a:rPr lang="en-US" smtClean="0"/>
-              <a:t>7/29/21</a:t>
+              <a:t>1/11/22</a:t>
             </a:fld>
             <a:endParaRPr lang="en-US"/>
           </a:p>
@@ -2091,7 +2096,7 @@
           <a:p>
             <a:fld id="{0E70A721-26B9-634F-B3B1-0DFADB0FC548}" type="datetimeFigureOut">
               <a:rPr lang="en-US" smtClean="0"/>
-              <a:t>7/29/21</a:t>
+              <a:t>1/11/22</a:t>
             </a:fld>
             <a:endParaRPr lang="en-US"/>
           </a:p>
@@ -2348,7 +2353,7 @@
           <a:p>
             <a:fld id="{0E70A721-26B9-634F-B3B1-0DFADB0FC548}" type="datetimeFigureOut">
               <a:rPr lang="en-US" smtClean="0"/>
-              <a:t>7/29/21</a:t>
+              <a:t>1/11/22</a:t>
             </a:fld>
             <a:endParaRPr lang="en-US"/>
           </a:p>
@@ -2561,7 +2566,7 @@
           <a:p>
             <a:fld id="{0E70A721-26B9-634F-B3B1-0DFADB0FC548}" type="datetimeFigureOut">
               <a:rPr lang="en-US" smtClean="0"/>
-              <a:t>7/29/21</a:t>
+              <a:t>1/11/22</a:t>
             </a:fld>
             <a:endParaRPr lang="en-US"/>
           </a:p>
@@ -2968,10 +2973,10 @@
       </p:grpSpPr>
       <p:pic>
         <p:nvPicPr>
-          <p:cNvPr id="9" name="Picture 8">
+          <p:cNvPr id="3" name="Picture 2">
             <a:extLst>
               <a:ext uri="{FF2B5EF4-FFF2-40B4-BE49-F238E27FC236}">
-                <a16:creationId xmlns:a16="http://schemas.microsoft.com/office/drawing/2014/main" id="{65D0C769-6A4E-0E48-A3D6-5E2C31F7E951}"/>
+                <a16:creationId xmlns:a16="http://schemas.microsoft.com/office/drawing/2014/main" id="{67F94299-7F41-674B-A77B-CF31BEAB3D08}"/>
               </a:ext>
             </a:extLst>
           </p:cNvPr>
@@ -2988,7 +2993,7 @@
         </p:blipFill>
         <p:spPr>
           <a:xfrm>
-            <a:off x="262647" y="0"/>
+            <a:off x="0" y="252919"/>
             <a:ext cx="9144000" cy="3048000"/>
           </a:xfrm>
           <a:prstGeom prst="rect">
@@ -2998,10 +3003,10 @@
       </p:pic>
       <p:pic>
         <p:nvPicPr>
-          <p:cNvPr id="11" name="Picture 10">
+          <p:cNvPr id="7" name="Picture 6">
             <a:extLst>
               <a:ext uri="{FF2B5EF4-FFF2-40B4-BE49-F238E27FC236}">
-                <a16:creationId xmlns:a16="http://schemas.microsoft.com/office/drawing/2014/main" id="{6D3F6C22-AB9C-D940-AB41-32F76F592336}"/>
+                <a16:creationId xmlns:a16="http://schemas.microsoft.com/office/drawing/2014/main" id="{899C307D-7E78-5D43-9A6C-1DB4714D4A11}"/>
               </a:ext>
             </a:extLst>
           </p:cNvPr>
@@ -3018,7 +3023,7 @@
         </p:blipFill>
         <p:spPr>
           <a:xfrm>
-            <a:off x="262647" y="3048000"/>
+            <a:off x="0" y="3429000"/>
             <a:ext cx="9144000" cy="3048000"/>
           </a:xfrm>
           <a:prstGeom prst="rect">
@@ -3028,73 +3033,601 @@
       </p:pic>
       <p:sp>
         <p:nvSpPr>
-          <p:cNvPr id="12" name="TextBox 11">
+          <p:cNvPr id="2" name="Rectangle 1">
             <a:extLst>
               <a:ext uri="{FF2B5EF4-FFF2-40B4-BE49-F238E27FC236}">
-                <a16:creationId xmlns:a16="http://schemas.microsoft.com/office/drawing/2014/main" id="{CF873457-82FA-7A40-96F8-83395F9F29E6}"/>
+                <a16:creationId xmlns:a16="http://schemas.microsoft.com/office/drawing/2014/main" id="{B03C3A0C-BD24-C943-995F-8EDD87566E70}"/>
               </a:ext>
             </a:extLst>
           </p:cNvPr>
-          <p:cNvSpPr txBox="1"/>
+          <p:cNvSpPr/>
           <p:nvPr/>
         </p:nvSpPr>
         <p:spPr>
           <a:xfrm>
-            <a:off x="222944" y="1339334"/>
-            <a:ext cx="461986" cy="369332"/>
+            <a:off x="836579" y="1215957"/>
+            <a:ext cx="175098" cy="233464"/>
           </a:xfrm>
           <a:prstGeom prst="rect">
             <a:avLst/>
           </a:prstGeom>
-          <a:noFill/>
+          <a:solidFill>
+            <a:schemeClr val="bg1"/>
+          </a:solidFill>
+          <a:ln>
+            <a:noFill/>
+          </a:ln>
         </p:spPr>
-        <p:txBody>
-          <a:bodyPr wrap="none" rtlCol="0">
-            <a:spAutoFit/>
-          </a:bodyPr>
+        <p:style>
+          <a:lnRef idx="2">
+            <a:schemeClr val="accent6"/>
+          </a:lnRef>
+          <a:fillRef idx="1">
+            <a:schemeClr val="lt1"/>
+          </a:fillRef>
+          <a:effectRef idx="0">
+            <a:schemeClr val="accent6"/>
+          </a:effectRef>
+          <a:fontRef idx="minor">
+            <a:schemeClr val="dk1"/>
+          </a:fontRef>
+        </p:style>
+        <p:txBody>
+          <a:bodyPr rtlCol="0" anchor="ctr"/>
           <a:lstStyle/>
           <a:p>
             <a:pPr algn="ctr"/>
-            <a:r>
-              <a:rPr lang="en-US" dirty="0"/>
-              <a:t>H⍺</a:t>
-            </a:r>
-          </a:p>
-        </p:txBody>
-      </p:sp>
-      <p:sp>
-        <p:nvSpPr>
-          <p:cNvPr id="13" name="TextBox 12">
+            <a:endParaRPr lang="en-US"/>
+          </a:p>
+        </p:txBody>
+      </p:sp>
+      <p:sp>
+        <p:nvSpPr>
+          <p:cNvPr id="5" name="Rectangle 4">
             <a:extLst>
               <a:ext uri="{FF2B5EF4-FFF2-40B4-BE49-F238E27FC236}">
-                <a16:creationId xmlns:a16="http://schemas.microsoft.com/office/drawing/2014/main" id="{19E5AD2B-FA92-094E-90E1-611A6A4D2D2A}"/>
+                <a16:creationId xmlns:a16="http://schemas.microsoft.com/office/drawing/2014/main" id="{A464C430-3D69-4248-8415-B5825F4A896B}"/>
               </a:ext>
             </a:extLst>
           </p:cNvPr>
-          <p:cNvSpPr txBox="1"/>
+          <p:cNvSpPr/>
           <p:nvPr/>
         </p:nvSpPr>
         <p:spPr>
           <a:xfrm>
-            <a:off x="111792" y="4387334"/>
-            <a:ext cx="684290" cy="369332"/>
+            <a:off x="826852" y="2028215"/>
+            <a:ext cx="184826" cy="384243"/>
           </a:xfrm>
           <a:prstGeom prst="rect">
             <a:avLst/>
           </a:prstGeom>
-          <a:noFill/>
+          <a:solidFill>
+            <a:schemeClr val="bg1"/>
+          </a:solidFill>
+          <a:ln>
+            <a:noFill/>
+          </a:ln>
         </p:spPr>
-        <p:txBody>
-          <a:bodyPr wrap="none" rtlCol="0">
-            <a:spAutoFit/>
-          </a:bodyPr>
+        <p:style>
+          <a:lnRef idx="2">
+            <a:schemeClr val="accent6"/>
+          </a:lnRef>
+          <a:fillRef idx="1">
+            <a:schemeClr val="lt1"/>
+          </a:fillRef>
+          <a:effectRef idx="0">
+            <a:schemeClr val="accent6"/>
+          </a:effectRef>
+          <a:fontRef idx="minor">
+            <a:schemeClr val="dk1"/>
+          </a:fontRef>
+        </p:style>
+        <p:txBody>
+          <a:bodyPr rtlCol="0" anchor="ctr"/>
           <a:lstStyle/>
           <a:p>
             <a:pPr algn="ctr"/>
-            <a:r>
-              <a:rPr lang="en-US" dirty="0"/>
-              <a:t>Cont.</a:t>
-            </a:r>
+            <a:endParaRPr lang="en-US"/>
+          </a:p>
+        </p:txBody>
+      </p:sp>
+      <p:sp>
+        <p:nvSpPr>
+          <p:cNvPr id="6" name="Rectangle 5">
+            <a:extLst>
+              <a:ext uri="{FF2B5EF4-FFF2-40B4-BE49-F238E27FC236}">
+                <a16:creationId xmlns:a16="http://schemas.microsoft.com/office/drawing/2014/main" id="{EB1FB2F2-807E-944C-BF0C-45AB23CE0445}"/>
+              </a:ext>
+            </a:extLst>
+          </p:cNvPr>
+          <p:cNvSpPr/>
+          <p:nvPr/>
+        </p:nvSpPr>
+        <p:spPr>
+          <a:xfrm>
+            <a:off x="851172" y="4270440"/>
+            <a:ext cx="184826" cy="384243"/>
+          </a:xfrm>
+          <a:prstGeom prst="rect">
+            <a:avLst/>
+          </a:prstGeom>
+          <a:solidFill>
+            <a:schemeClr val="bg1"/>
+          </a:solidFill>
+          <a:ln>
+            <a:noFill/>
+          </a:ln>
+        </p:spPr>
+        <p:style>
+          <a:lnRef idx="2">
+            <a:schemeClr val="accent6"/>
+          </a:lnRef>
+          <a:fillRef idx="1">
+            <a:schemeClr val="lt1"/>
+          </a:fillRef>
+          <a:effectRef idx="0">
+            <a:schemeClr val="accent6"/>
+          </a:effectRef>
+          <a:fontRef idx="minor">
+            <a:schemeClr val="dk1"/>
+          </a:fontRef>
+        </p:style>
+        <p:txBody>
+          <a:bodyPr rtlCol="0" anchor="ctr"/>
+          <a:lstStyle/>
+          <a:p>
+            <a:pPr algn="ctr"/>
+            <a:endParaRPr lang="en-US"/>
+          </a:p>
+        </p:txBody>
+      </p:sp>
+      <p:sp>
+        <p:nvSpPr>
+          <p:cNvPr id="8" name="Rectangle 7">
+            <a:extLst>
+              <a:ext uri="{FF2B5EF4-FFF2-40B4-BE49-F238E27FC236}">
+                <a16:creationId xmlns:a16="http://schemas.microsoft.com/office/drawing/2014/main" id="{A24F9B68-93A2-D244-B29A-91F94713CCE1}"/>
+              </a:ext>
+            </a:extLst>
+          </p:cNvPr>
+          <p:cNvSpPr/>
+          <p:nvPr/>
+        </p:nvSpPr>
+        <p:spPr>
+          <a:xfrm>
+            <a:off x="851172" y="5257800"/>
+            <a:ext cx="184826" cy="384243"/>
+          </a:xfrm>
+          <a:prstGeom prst="rect">
+            <a:avLst/>
+          </a:prstGeom>
+          <a:solidFill>
+            <a:schemeClr val="bg1"/>
+          </a:solidFill>
+          <a:ln>
+            <a:noFill/>
+          </a:ln>
+        </p:spPr>
+        <p:style>
+          <a:lnRef idx="2">
+            <a:schemeClr val="accent6"/>
+          </a:lnRef>
+          <a:fillRef idx="1">
+            <a:schemeClr val="lt1"/>
+          </a:fillRef>
+          <a:effectRef idx="0">
+            <a:schemeClr val="accent6"/>
+          </a:effectRef>
+          <a:fontRef idx="minor">
+            <a:schemeClr val="dk1"/>
+          </a:fontRef>
+        </p:style>
+        <p:txBody>
+          <a:bodyPr rtlCol="0" anchor="ctr"/>
+          <a:lstStyle/>
+          <a:p>
+            <a:pPr algn="ctr"/>
+            <a:endParaRPr lang="en-US"/>
+          </a:p>
+        </p:txBody>
+      </p:sp>
+      <p:sp>
+        <p:nvSpPr>
+          <p:cNvPr id="9" name="Rectangle 8">
+            <a:extLst>
+              <a:ext uri="{FF2B5EF4-FFF2-40B4-BE49-F238E27FC236}">
+                <a16:creationId xmlns:a16="http://schemas.microsoft.com/office/drawing/2014/main" id="{A93A4AAB-B208-0946-8397-49A5AE49045F}"/>
+              </a:ext>
+            </a:extLst>
+          </p:cNvPr>
+          <p:cNvSpPr/>
+          <p:nvPr/>
+        </p:nvSpPr>
+        <p:spPr>
+          <a:xfrm>
+            <a:off x="3095019" y="1140567"/>
+            <a:ext cx="184826" cy="384243"/>
+          </a:xfrm>
+          <a:prstGeom prst="rect">
+            <a:avLst/>
+          </a:prstGeom>
+          <a:solidFill>
+            <a:schemeClr val="bg1"/>
+          </a:solidFill>
+          <a:ln>
+            <a:noFill/>
+          </a:ln>
+        </p:spPr>
+        <p:style>
+          <a:lnRef idx="2">
+            <a:schemeClr val="accent6"/>
+          </a:lnRef>
+          <a:fillRef idx="1">
+            <a:schemeClr val="lt1"/>
+          </a:fillRef>
+          <a:effectRef idx="0">
+            <a:schemeClr val="accent6"/>
+          </a:effectRef>
+          <a:fontRef idx="minor">
+            <a:schemeClr val="dk1"/>
+          </a:fontRef>
+        </p:style>
+        <p:txBody>
+          <a:bodyPr rtlCol="0" anchor="ctr"/>
+          <a:lstStyle/>
+          <a:p>
+            <a:pPr algn="ctr"/>
+            <a:endParaRPr lang="en-US"/>
+          </a:p>
+        </p:txBody>
+      </p:sp>
+      <p:sp>
+        <p:nvSpPr>
+          <p:cNvPr id="10" name="Rectangle 9">
+            <a:extLst>
+              <a:ext uri="{FF2B5EF4-FFF2-40B4-BE49-F238E27FC236}">
+                <a16:creationId xmlns:a16="http://schemas.microsoft.com/office/drawing/2014/main" id="{C5C6D83D-9DA2-2745-8354-AD153DE882EB}"/>
+              </a:ext>
+            </a:extLst>
+          </p:cNvPr>
+          <p:cNvSpPr/>
+          <p:nvPr/>
+        </p:nvSpPr>
+        <p:spPr>
+          <a:xfrm>
+            <a:off x="3095019" y="2028215"/>
+            <a:ext cx="184826" cy="384243"/>
+          </a:xfrm>
+          <a:prstGeom prst="rect">
+            <a:avLst/>
+          </a:prstGeom>
+          <a:solidFill>
+            <a:schemeClr val="bg1"/>
+          </a:solidFill>
+          <a:ln>
+            <a:noFill/>
+          </a:ln>
+        </p:spPr>
+        <p:style>
+          <a:lnRef idx="2">
+            <a:schemeClr val="accent6"/>
+          </a:lnRef>
+          <a:fillRef idx="1">
+            <a:schemeClr val="lt1"/>
+          </a:fillRef>
+          <a:effectRef idx="0">
+            <a:schemeClr val="accent6"/>
+          </a:effectRef>
+          <a:fontRef idx="minor">
+            <a:schemeClr val="dk1"/>
+          </a:fontRef>
+        </p:style>
+        <p:txBody>
+          <a:bodyPr rtlCol="0" anchor="ctr"/>
+          <a:lstStyle/>
+          <a:p>
+            <a:pPr algn="ctr"/>
+            <a:endParaRPr lang="en-US"/>
+          </a:p>
+        </p:txBody>
+      </p:sp>
+      <p:sp>
+        <p:nvSpPr>
+          <p:cNvPr id="11" name="Rectangle 10">
+            <a:extLst>
+              <a:ext uri="{FF2B5EF4-FFF2-40B4-BE49-F238E27FC236}">
+                <a16:creationId xmlns:a16="http://schemas.microsoft.com/office/drawing/2014/main" id="{A20452EB-D240-C248-BA0B-BE2D123822AA}"/>
+              </a:ext>
+            </a:extLst>
+          </p:cNvPr>
+          <p:cNvSpPr/>
+          <p:nvPr/>
+        </p:nvSpPr>
+        <p:spPr>
+          <a:xfrm>
+            <a:off x="5345355" y="1158399"/>
+            <a:ext cx="184826" cy="384243"/>
+          </a:xfrm>
+          <a:prstGeom prst="rect">
+            <a:avLst/>
+          </a:prstGeom>
+          <a:solidFill>
+            <a:schemeClr val="bg1"/>
+          </a:solidFill>
+          <a:ln>
+            <a:noFill/>
+          </a:ln>
+        </p:spPr>
+        <p:style>
+          <a:lnRef idx="2">
+            <a:schemeClr val="accent6"/>
+          </a:lnRef>
+          <a:fillRef idx="1">
+            <a:schemeClr val="lt1"/>
+          </a:fillRef>
+          <a:effectRef idx="0">
+            <a:schemeClr val="accent6"/>
+          </a:effectRef>
+          <a:fontRef idx="minor">
+            <a:schemeClr val="dk1"/>
+          </a:fontRef>
+        </p:style>
+        <p:txBody>
+          <a:bodyPr rtlCol="0" anchor="ctr"/>
+          <a:lstStyle/>
+          <a:p>
+            <a:pPr algn="ctr"/>
+            <a:endParaRPr lang="en-US"/>
+          </a:p>
+        </p:txBody>
+      </p:sp>
+      <p:sp>
+        <p:nvSpPr>
+          <p:cNvPr id="12" name="Rectangle 11">
+            <a:extLst>
+              <a:ext uri="{FF2B5EF4-FFF2-40B4-BE49-F238E27FC236}">
+                <a16:creationId xmlns:a16="http://schemas.microsoft.com/office/drawing/2014/main" id="{9F8E5D03-D347-7C4F-B571-B192D7A3E4E7}"/>
+              </a:ext>
+            </a:extLst>
+          </p:cNvPr>
+          <p:cNvSpPr/>
+          <p:nvPr/>
+        </p:nvSpPr>
+        <p:spPr>
+          <a:xfrm>
+            <a:off x="5309690" y="2028214"/>
+            <a:ext cx="184826" cy="384243"/>
+          </a:xfrm>
+          <a:prstGeom prst="rect">
+            <a:avLst/>
+          </a:prstGeom>
+          <a:solidFill>
+            <a:schemeClr val="bg1"/>
+          </a:solidFill>
+          <a:ln>
+            <a:noFill/>
+          </a:ln>
+        </p:spPr>
+        <p:style>
+          <a:lnRef idx="2">
+            <a:schemeClr val="accent6"/>
+          </a:lnRef>
+          <a:fillRef idx="1">
+            <a:schemeClr val="lt1"/>
+          </a:fillRef>
+          <a:effectRef idx="0">
+            <a:schemeClr val="accent6"/>
+          </a:effectRef>
+          <a:fontRef idx="minor">
+            <a:schemeClr val="dk1"/>
+          </a:fontRef>
+        </p:style>
+        <p:txBody>
+          <a:bodyPr rtlCol="0" anchor="ctr"/>
+          <a:lstStyle/>
+          <a:p>
+            <a:pPr algn="ctr"/>
+            <a:endParaRPr lang="en-US"/>
+          </a:p>
+        </p:txBody>
+      </p:sp>
+      <p:sp>
+        <p:nvSpPr>
+          <p:cNvPr id="13" name="Rectangle 12">
+            <a:extLst>
+              <a:ext uri="{FF2B5EF4-FFF2-40B4-BE49-F238E27FC236}">
+                <a16:creationId xmlns:a16="http://schemas.microsoft.com/office/drawing/2014/main" id="{5F05098C-C474-8548-A854-0B497CCDF125}"/>
+              </a:ext>
+            </a:extLst>
+          </p:cNvPr>
+          <p:cNvSpPr/>
+          <p:nvPr/>
+        </p:nvSpPr>
+        <p:spPr>
+          <a:xfrm>
+            <a:off x="3095019" y="4270440"/>
+            <a:ext cx="184826" cy="384243"/>
+          </a:xfrm>
+          <a:prstGeom prst="rect">
+            <a:avLst/>
+          </a:prstGeom>
+          <a:solidFill>
+            <a:schemeClr val="bg1"/>
+          </a:solidFill>
+          <a:ln>
+            <a:noFill/>
+          </a:ln>
+        </p:spPr>
+        <p:style>
+          <a:lnRef idx="2">
+            <a:schemeClr val="accent6"/>
+          </a:lnRef>
+          <a:fillRef idx="1">
+            <a:schemeClr val="lt1"/>
+          </a:fillRef>
+          <a:effectRef idx="0">
+            <a:schemeClr val="accent6"/>
+          </a:effectRef>
+          <a:fontRef idx="minor">
+            <a:schemeClr val="dk1"/>
+          </a:fontRef>
+        </p:style>
+        <p:txBody>
+          <a:bodyPr rtlCol="0" anchor="ctr"/>
+          <a:lstStyle/>
+          <a:p>
+            <a:pPr algn="ctr"/>
+            <a:endParaRPr lang="en-US"/>
+          </a:p>
+        </p:txBody>
+      </p:sp>
+      <p:sp>
+        <p:nvSpPr>
+          <p:cNvPr id="14" name="Rectangle 13">
+            <a:extLst>
+              <a:ext uri="{FF2B5EF4-FFF2-40B4-BE49-F238E27FC236}">
+                <a16:creationId xmlns:a16="http://schemas.microsoft.com/office/drawing/2014/main" id="{AB7E852D-47EB-9844-B525-D8AC2642A8D5}"/>
+              </a:ext>
+            </a:extLst>
+          </p:cNvPr>
+          <p:cNvSpPr/>
+          <p:nvPr/>
+        </p:nvSpPr>
+        <p:spPr>
+          <a:xfrm>
+            <a:off x="3095019" y="5145925"/>
+            <a:ext cx="184826" cy="384243"/>
+          </a:xfrm>
+          <a:prstGeom prst="rect">
+            <a:avLst/>
+          </a:prstGeom>
+          <a:solidFill>
+            <a:schemeClr val="bg1"/>
+          </a:solidFill>
+          <a:ln>
+            <a:noFill/>
+          </a:ln>
+        </p:spPr>
+        <p:style>
+          <a:lnRef idx="2">
+            <a:schemeClr val="accent6"/>
+          </a:lnRef>
+          <a:fillRef idx="1">
+            <a:schemeClr val="lt1"/>
+          </a:fillRef>
+          <a:effectRef idx="0">
+            <a:schemeClr val="accent6"/>
+          </a:effectRef>
+          <a:fontRef idx="minor">
+            <a:schemeClr val="dk1"/>
+          </a:fontRef>
+        </p:style>
+        <p:txBody>
+          <a:bodyPr rtlCol="0" anchor="ctr"/>
+          <a:lstStyle/>
+          <a:p>
+            <a:pPr algn="ctr"/>
+            <a:endParaRPr lang="en-US"/>
+          </a:p>
+        </p:txBody>
+      </p:sp>
+      <p:sp>
+        <p:nvSpPr>
+          <p:cNvPr id="15" name="Rectangle 14">
+            <a:extLst>
+              <a:ext uri="{FF2B5EF4-FFF2-40B4-BE49-F238E27FC236}">
+                <a16:creationId xmlns:a16="http://schemas.microsoft.com/office/drawing/2014/main" id="{2F2026BA-71A8-5843-BF0F-6C0E68245F3B}"/>
+              </a:ext>
+            </a:extLst>
+          </p:cNvPr>
+          <p:cNvSpPr/>
+          <p:nvPr/>
+        </p:nvSpPr>
+        <p:spPr>
+          <a:xfrm>
+            <a:off x="5309690" y="4270440"/>
+            <a:ext cx="184826" cy="384243"/>
+          </a:xfrm>
+          <a:prstGeom prst="rect">
+            <a:avLst/>
+          </a:prstGeom>
+          <a:solidFill>
+            <a:schemeClr val="bg1"/>
+          </a:solidFill>
+          <a:ln>
+            <a:noFill/>
+          </a:ln>
+        </p:spPr>
+        <p:style>
+          <a:lnRef idx="2">
+            <a:schemeClr val="accent6"/>
+          </a:lnRef>
+          <a:fillRef idx="1">
+            <a:schemeClr val="lt1"/>
+          </a:fillRef>
+          <a:effectRef idx="0">
+            <a:schemeClr val="accent6"/>
+          </a:effectRef>
+          <a:fontRef idx="minor">
+            <a:schemeClr val="dk1"/>
+          </a:fontRef>
+        </p:style>
+        <p:txBody>
+          <a:bodyPr rtlCol="0" anchor="ctr"/>
+          <a:lstStyle/>
+          <a:p>
+            <a:pPr algn="ctr"/>
+            <a:endParaRPr lang="en-US"/>
+          </a:p>
+        </p:txBody>
+      </p:sp>
+      <p:sp>
+        <p:nvSpPr>
+          <p:cNvPr id="16" name="Rectangle 15">
+            <a:extLst>
+              <a:ext uri="{FF2B5EF4-FFF2-40B4-BE49-F238E27FC236}">
+                <a16:creationId xmlns:a16="http://schemas.microsoft.com/office/drawing/2014/main" id="{707D5B3C-A58E-0242-B86F-326EAA6451A2}"/>
+              </a:ext>
+            </a:extLst>
+          </p:cNvPr>
+          <p:cNvSpPr/>
+          <p:nvPr/>
+        </p:nvSpPr>
+        <p:spPr>
+          <a:xfrm>
+            <a:off x="5345355" y="5189697"/>
+            <a:ext cx="184826" cy="384243"/>
+          </a:xfrm>
+          <a:prstGeom prst="rect">
+            <a:avLst/>
+          </a:prstGeom>
+          <a:solidFill>
+            <a:schemeClr val="bg1"/>
+          </a:solidFill>
+          <a:ln>
+            <a:noFill/>
+          </a:ln>
+        </p:spPr>
+        <p:style>
+          <a:lnRef idx="2">
+            <a:schemeClr val="accent6"/>
+          </a:lnRef>
+          <a:fillRef idx="1">
+            <a:schemeClr val="lt1"/>
+          </a:fillRef>
+          <a:effectRef idx="0">
+            <a:schemeClr val="accent6"/>
+          </a:effectRef>
+          <a:fontRef idx="minor">
+            <a:schemeClr val="dk1"/>
+          </a:fontRef>
+        </p:style>
+        <p:txBody>
+          <a:bodyPr rtlCol="0" anchor="ctr"/>
+          <a:lstStyle/>
+          <a:p>
+            <a:pPr algn="ctr"/>
+            <a:endParaRPr lang="en-US"/>
           </a:p>
         </p:txBody>
       </p:sp>
